--- a/Презентация.pptx
+++ b/Презентация.pptx
@@ -10,6 +10,10 @@
     <p:sldId id="258" r:id="rId4"/>
     <p:sldId id="259" r:id="rId5"/>
     <p:sldId id="260" r:id="rId6"/>
+    <p:sldId id="261" r:id="rId7"/>
+    <p:sldId id="262" r:id="rId8"/>
+    <p:sldId id="263" r:id="rId9"/>
+    <p:sldId id="264" r:id="rId10"/>
   </p:sldIdLst>
   <p:sldSz cx="9144000" cy="6858000" type="screen4x3"/>
   <p:notesSz cx="6858000" cy="9144000"/>
@@ -3604,7 +3608,7 @@
             <p:spPr/>
             <p:txBody>
               <a:bodyPr>
-                <a:normAutofit fontScale="92500" lnSpcReduction="20000"/>
+                <a:normAutofit fontScale="85000" lnSpcReduction="20000"/>
               </a:bodyPr>
               <a:lstStyle/>
               <a:p>
@@ -3621,44 +3625,58 @@
                   <a:buNone/>
                 </a:pPr>
                 <a14:m>
-                  <m:oMath xmlns:m="http://schemas.openxmlformats.org/officeDocument/2006/math">
-                    <m:r>
-                      <a:rPr lang="ru-RU" b="0" i="1" smtClean="0">
-                        <a:latin typeface="Cambria Math"/>
-                      </a:rPr>
-                      <m:t>О= </m:t>
-                    </m:r>
-                    <m:f>
-                      <m:fPr>
-                        <m:ctrlPr>
-                          <a:rPr lang="ru-RU" b="0" i="1" smtClean="0">
-                            <a:latin typeface="Cambria Math"/>
-                          </a:rPr>
-                        </m:ctrlPr>
-                      </m:fPr>
-                      <m:num>
-                        <m:r>
-                          <a:rPr lang="ru-RU" b="0" i="1" smtClean="0">
-                            <a:latin typeface="Cambria Math"/>
-                          </a:rPr>
-                          <m:t>Ф</m:t>
-                        </m:r>
-                      </m:num>
-                      <m:den>
-                        <m:r>
-                          <a:rPr lang="ru-RU" b="0" i="1" smtClean="0">
-                            <a:latin typeface="Cambria Math"/>
-                          </a:rPr>
-                          <m:t>П</m:t>
-                        </m:r>
-                      </m:den>
-                    </m:f>
-                  </m:oMath>
+                  <m:oMathPara xmlns:m="http://schemas.openxmlformats.org/officeDocument/2006/math">
+                    <m:oMathParaPr>
+                      <m:jc m:val="centerGroup"/>
+                    </m:oMathParaPr>
+                    <m:oMath xmlns:m="http://schemas.openxmlformats.org/officeDocument/2006/math">
+                      <m:r>
+                        <a:rPr lang="ru-RU" b="0" i="1" smtClean="0">
+                          <a:latin typeface="Cambria Math"/>
+                        </a:rPr>
+                        <m:t>К</m:t>
+                      </m:r>
+                      <m:r>
+                        <a:rPr lang="ru-RU" b="0" i="1" smtClean="0">
+                          <a:latin typeface="Cambria Math"/>
+                        </a:rPr>
+                        <m:t>= </m:t>
+                      </m:r>
+                      <m:f>
+                        <m:fPr>
+                          <m:ctrlPr>
+                            <a:rPr lang="ru-RU" b="0" i="1" smtClean="0">
+                              <a:latin typeface="Cambria Math"/>
+                            </a:rPr>
+                          </m:ctrlPr>
+                        </m:fPr>
+                        <m:num>
+                          <m:r>
+                            <a:rPr lang="ru-RU" b="0" i="1" smtClean="0">
+                              <a:latin typeface="Cambria Math"/>
+                            </a:rPr>
+                            <m:t>Ф</m:t>
+                          </m:r>
+                        </m:num>
+                        <m:den>
+                          <m:r>
+                            <a:rPr lang="ru-RU" b="0" i="1" smtClean="0">
+                              <a:latin typeface="Cambria Math"/>
+                            </a:rPr>
+                            <m:t>П</m:t>
+                          </m:r>
+                        </m:den>
+                      </m:f>
+                      <m:r>
+                        <a:rPr lang="en-US" b="0" i="1" smtClean="0">
+                          <a:latin typeface="Cambria Math"/>
+                        </a:rPr>
+                        <m:t>,</m:t>
+                      </m:r>
+                    </m:oMath>
+                  </m:oMathPara>
                 </a14:m>
-                <a:r>
-                  <a:rPr lang="ru-RU" dirty="0" smtClean="0"/>
-                  <a:t> * 100 %,</a:t>
-                </a:r>
+                <a:endParaRPr lang="ru-RU" dirty="0" smtClean="0"/>
               </a:p>
               <a:p>
                 <a:pPr marL="0" indent="0">
@@ -3671,16 +3689,24 @@
                 <a14:m>
                   <m:oMath xmlns:m="http://schemas.openxmlformats.org/officeDocument/2006/math">
                     <m:r>
-                      <a:rPr lang="ru-RU" i="1">
+                      <a:rPr lang="ru-RU" b="0" i="1" smtClean="0">
                         <a:latin typeface="Cambria Math"/>
                       </a:rPr>
-                      <m:t>О</m:t>
+                      <m:t>К</m:t>
                     </m:r>
                   </m:oMath>
                 </a14:m>
                 <a:r>
                   <a:rPr lang="ru-RU" dirty="0" smtClean="0"/>
-                  <a:t> – оценка усвоения,</a:t>
+                  <a:t> – </a:t>
+                </a:r>
+                <a:r>
+                  <a:rPr lang="ru-RU" dirty="0" smtClean="0"/>
+                  <a:t>коэффициент усвоения</a:t>
+                </a:r>
+                <a:r>
+                  <a:rPr lang="ru-RU" dirty="0" smtClean="0"/>
+                  <a:t>,</a:t>
                 </a:r>
               </a:p>
               <a:p>
@@ -3770,7 +3796,7 @@
               <a:blipFill rotWithShape="1">
                 <a:blip r:embed="rId2"/>
                 <a:stretch>
-                  <a:fillRect l="-1704" t="-3504" b="-3908"/>
+                  <a:fillRect l="-1333" t="-2695" r="-1333"/>
                 </a:stretch>
               </a:blipFill>
             </p:spPr>
@@ -3806,6 +3832,1061 @@
       </p:par>
     </p:tnLst>
   </p:timing>
+</p:sld>
+</file>
+
+<file path=ppt/slides/slide6.xml><?xml version="1.0" encoding="utf-8"?>
+<p:sld xmlns:a="http://schemas.openxmlformats.org/drawingml/2006/main" xmlns:r="http://schemas.openxmlformats.org/officeDocument/2006/relationships" xmlns:p="http://schemas.openxmlformats.org/presentationml/2006/main">
+  <p:cSld>
+    <p:spTree>
+      <p:nvGrpSpPr>
+        <p:cNvPr id="1" name=""/>
+        <p:cNvGrpSpPr/>
+        <p:nvPr/>
+      </p:nvGrpSpPr>
+      <p:grpSpPr>
+        <a:xfrm>
+          <a:off x="0" y="0"/>
+          <a:ext cx="0" cy="0"/>
+          <a:chOff x="0" y="0"/>
+          <a:chExt cx="0" cy="0"/>
+        </a:xfrm>
+      </p:grpSpPr>
+      <p:sp>
+        <p:nvSpPr>
+          <p:cNvPr id="2" name="Заголовок 1"/>
+          <p:cNvSpPr>
+            <a:spLocks noGrp="1"/>
+          </p:cNvSpPr>
+          <p:nvPr>
+            <p:ph type="title"/>
+          </p:nvPr>
+        </p:nvSpPr>
+        <p:spPr/>
+        <p:txBody>
+          <a:bodyPr>
+            <a:normAutofit/>
+          </a:bodyPr>
+          <a:lstStyle/>
+          <a:p>
+            <a:r>
+              <a:rPr lang="ru-RU" sz="3200" dirty="0" smtClean="0"/>
+              <a:t>Количественная мера</a:t>
+            </a:r>
+            <a:endParaRPr lang="ru-RU" sz="3200" dirty="0"/>
+          </a:p>
+        </p:txBody>
+      </p:sp>
+      <mc:AlternateContent xmlns:mc="http://schemas.openxmlformats.org/markup-compatibility/2006">
+        <mc:Choice xmlns:a14="http://schemas.microsoft.com/office/drawing/2010/main" Requires="a14">
+          <p:sp>
+            <p:nvSpPr>
+              <p:cNvPr id="3" name="Объект 2"/>
+              <p:cNvSpPr>
+                <a:spLocks noGrp="1"/>
+              </p:cNvSpPr>
+              <p:nvPr>
+                <p:ph idx="1"/>
+              </p:nvPr>
+            </p:nvSpPr>
+            <p:spPr/>
+            <p:txBody>
+              <a:bodyPr/>
+              <a:lstStyle/>
+              <a:p>
+                <a:pPr marL="0" indent="0">
+                  <a:buNone/>
+                </a:pPr>
+                <a:r>
+                  <a:rPr lang="ru-RU" dirty="0" smtClean="0"/>
+                  <a:t>На основании количества решенных задач можно вычислить количественную меру усвоения материала по формуле:</a:t>
+                </a:r>
+              </a:p>
+              <a:p>
+                <a:pPr marL="0" indent="0" algn="ctr">
+                  <a:buNone/>
+                </a:pPr>
+                <a14:m>
+                  <m:oMath xmlns:m="http://schemas.openxmlformats.org/officeDocument/2006/math">
+                    <m:sSub>
+                      <m:sSubPr>
+                        <m:ctrlPr>
+                          <a:rPr lang="ru-RU" i="1" smtClean="0">
+                            <a:latin typeface="Cambria Math"/>
+                          </a:rPr>
+                        </m:ctrlPr>
+                      </m:sSubPr>
+                      <m:e>
+                        <m:r>
+                          <a:rPr lang="ru-RU" b="0" i="1" smtClean="0">
+                            <a:latin typeface="Cambria Math"/>
+                          </a:rPr>
+                          <m:t>К</m:t>
+                        </m:r>
+                      </m:e>
+                      <m:sub>
+                        <m:r>
+                          <a:rPr lang="ru-RU" b="0" i="1" smtClean="0">
+                            <a:latin typeface="Cambria Math"/>
+                          </a:rPr>
+                          <m:t>кол</m:t>
+                        </m:r>
+                      </m:sub>
+                    </m:sSub>
+                  </m:oMath>
+                </a14:m>
+                <a:r>
+                  <a:rPr lang="ru-RU" dirty="0" smtClean="0"/>
+                  <a:t>=</a:t>
+                </a:r>
+                <a14:m>
+                  <m:oMath xmlns:m="http://schemas.openxmlformats.org/officeDocument/2006/math">
+                    <m:f>
+                      <m:fPr>
+                        <m:ctrlPr>
+                          <a:rPr lang="ru-RU" i="1" dirty="0" smtClean="0">
+                            <a:latin typeface="Cambria Math"/>
+                          </a:rPr>
+                        </m:ctrlPr>
+                      </m:fPr>
+                      <m:num>
+                        <m:r>
+                          <a:rPr lang="ru-RU" b="0" i="1" dirty="0" smtClean="0">
+                            <a:latin typeface="Cambria Math"/>
+                          </a:rPr>
+                          <m:t>Р</m:t>
+                        </m:r>
+                      </m:num>
+                      <m:den>
+                        <m:r>
+                          <a:rPr lang="ru-RU" b="0" i="1" dirty="0" smtClean="0">
+                            <a:latin typeface="Cambria Math"/>
+                          </a:rPr>
+                          <m:t>О</m:t>
+                        </m:r>
+                      </m:den>
+                    </m:f>
+                  </m:oMath>
+                </a14:m>
+                <a:r>
+                  <a:rPr lang="ru-RU" dirty="0" smtClean="0"/>
+                  <a:t>,</a:t>
+                </a:r>
+              </a:p>
+              <a:p>
+                <a:pPr marL="0" indent="0">
+                  <a:buNone/>
+                </a:pPr>
+                <a:r>
+                  <a:rPr lang="ru-RU" dirty="0" smtClean="0"/>
+                  <a:t>Где </a:t>
+                </a:r>
+                <a14:m>
+                  <m:oMath xmlns:m="http://schemas.openxmlformats.org/officeDocument/2006/math">
+                    <m:sSub>
+                      <m:sSubPr>
+                        <m:ctrlPr>
+                          <a:rPr lang="ru-RU" i="1">
+                            <a:latin typeface="Cambria Math"/>
+                          </a:rPr>
+                        </m:ctrlPr>
+                      </m:sSubPr>
+                      <m:e>
+                        <m:r>
+                          <a:rPr lang="ru-RU" i="1">
+                            <a:latin typeface="Cambria Math"/>
+                          </a:rPr>
+                          <m:t>К</m:t>
+                        </m:r>
+                      </m:e>
+                      <m:sub>
+                        <m:r>
+                          <a:rPr lang="ru-RU" i="1">
+                            <a:latin typeface="Cambria Math"/>
+                          </a:rPr>
+                          <m:t>кол</m:t>
+                        </m:r>
+                      </m:sub>
+                    </m:sSub>
+                  </m:oMath>
+                </a14:m>
+                <a:r>
+                  <a:rPr lang="ru-RU" dirty="0" smtClean="0"/>
+                  <a:t> - количественная мера,</a:t>
+                </a:r>
+              </a:p>
+              <a:p>
+                <a:pPr marL="0" indent="0">
+                  <a:buNone/>
+                </a:pPr>
+                <a:r>
+                  <a:rPr lang="ru-RU" dirty="0" smtClean="0"/>
+                  <a:t>Р – количество решенных задач,</a:t>
+                </a:r>
+              </a:p>
+              <a:p>
+                <a:pPr marL="0" indent="0">
+                  <a:buNone/>
+                </a:pPr>
+                <a:r>
+                  <a:rPr lang="ru-RU" dirty="0" smtClean="0"/>
+                  <a:t>О – общее количество задач</a:t>
+                </a:r>
+                <a:endParaRPr lang="ru-RU" dirty="0"/>
+              </a:p>
+            </p:txBody>
+          </p:sp>
+        </mc:Choice>
+        <mc:Fallback>
+          <p:sp>
+            <p:nvSpPr>
+              <p:cNvPr id="3" name="Объект 2"/>
+              <p:cNvSpPr>
+                <a:spLocks noGrp="1" noRot="1" noChangeAspect="1" noMove="1" noResize="1" noEditPoints="1" noAdjustHandles="1" noChangeArrowheads="1" noChangeShapeType="1" noTextEdit="1"/>
+              </p:cNvSpPr>
+              <p:nvPr>
+                <p:ph idx="1"/>
+              </p:nvPr>
+            </p:nvSpPr>
+            <p:spPr>
+              <a:blipFill rotWithShape="1">
+                <a:blip r:embed="rId2"/>
+                <a:stretch>
+                  <a:fillRect l="-1852" t="-1752"/>
+                </a:stretch>
+              </a:blipFill>
+            </p:spPr>
+            <p:txBody>
+              <a:bodyPr/>
+              <a:lstStyle/>
+              <a:p>
+                <a:r>
+                  <a:rPr lang="ru-RU">
+                    <a:noFill/>
+                  </a:rPr>
+                  <a:t> </a:t>
+                </a:r>
+              </a:p>
+            </p:txBody>
+          </p:sp>
+        </mc:Fallback>
+      </mc:AlternateContent>
+    </p:spTree>
+    <p:extLst>
+      <p:ext uri="{BB962C8B-B14F-4D97-AF65-F5344CB8AC3E}">
+        <p14:creationId xmlns:p14="http://schemas.microsoft.com/office/powerpoint/2010/main" val="3393720680"/>
+      </p:ext>
+    </p:extLst>
+  </p:cSld>
+  <p:clrMapOvr>
+    <a:masterClrMapping/>
+  </p:clrMapOvr>
+</p:sld>
+</file>
+
+<file path=ppt/slides/slide7.xml><?xml version="1.0" encoding="utf-8"?>
+<p:sld xmlns:a="http://schemas.openxmlformats.org/drawingml/2006/main" xmlns:r="http://schemas.openxmlformats.org/officeDocument/2006/relationships" xmlns:p="http://schemas.openxmlformats.org/presentationml/2006/main">
+  <p:cSld>
+    <p:spTree>
+      <p:nvGrpSpPr>
+        <p:cNvPr id="1" name=""/>
+        <p:cNvGrpSpPr/>
+        <p:nvPr/>
+      </p:nvGrpSpPr>
+      <p:grpSpPr>
+        <a:xfrm>
+          <a:off x="0" y="0"/>
+          <a:ext cx="0" cy="0"/>
+          <a:chOff x="0" y="0"/>
+          <a:chExt cx="0" cy="0"/>
+        </a:xfrm>
+      </p:grpSpPr>
+      <p:sp>
+        <p:nvSpPr>
+          <p:cNvPr id="2" name="Заголовок 1"/>
+          <p:cNvSpPr>
+            <a:spLocks noGrp="1"/>
+          </p:cNvSpPr>
+          <p:nvPr>
+            <p:ph type="title"/>
+          </p:nvPr>
+        </p:nvSpPr>
+        <p:spPr/>
+        <p:txBody>
+          <a:bodyPr>
+            <a:normAutofit/>
+          </a:bodyPr>
+          <a:lstStyle/>
+          <a:p>
+            <a:r>
+              <a:rPr lang="ru-RU" sz="3200" dirty="0" smtClean="0"/>
+              <a:t>Коэффициент чистоты решения</a:t>
+            </a:r>
+            <a:endParaRPr lang="ru-RU" sz="3200" dirty="0"/>
+          </a:p>
+        </p:txBody>
+      </p:sp>
+      <mc:AlternateContent xmlns:mc="http://schemas.openxmlformats.org/markup-compatibility/2006">
+        <mc:Choice xmlns:a14="http://schemas.microsoft.com/office/drawing/2010/main" Requires="a14">
+          <p:sp>
+            <p:nvSpPr>
+              <p:cNvPr id="3" name="Объект 2"/>
+              <p:cNvSpPr>
+                <a:spLocks noGrp="1"/>
+              </p:cNvSpPr>
+              <p:nvPr>
+                <p:ph idx="1"/>
+              </p:nvPr>
+            </p:nvSpPr>
+            <p:spPr/>
+            <p:txBody>
+              <a:bodyPr>
+                <a:normAutofit fontScale="92500" lnSpcReduction="20000"/>
+              </a:bodyPr>
+              <a:lstStyle/>
+              <a:p>
+                <a:pPr marL="0" indent="0">
+                  <a:buNone/>
+                </a:pPr>
+                <a:r>
+                  <a:rPr lang="ru-RU" dirty="0" smtClean="0"/>
+                  <a:t>На основании числа сделанных посылок решений можно вычислить коэффициент чистоты решения для каждой решенной задачи по формуле:</a:t>
+                </a:r>
+                <a:endParaRPr lang="en-US" dirty="0"/>
+              </a:p>
+              <a:p>
+                <a:pPr marL="0" indent="0" algn="ctr">
+                  <a:buNone/>
+                </a:pPr>
+                <a14:m>
+                  <m:oMath xmlns:m="http://schemas.openxmlformats.org/officeDocument/2006/math">
+                    <m:sSub>
+                      <m:sSubPr>
+                        <m:ctrlPr>
+                          <a:rPr lang="ru-RU" i="1" smtClean="0">
+                            <a:latin typeface="Cambria Math"/>
+                          </a:rPr>
+                        </m:ctrlPr>
+                      </m:sSubPr>
+                      <m:e>
+                        <m:r>
+                          <a:rPr lang="ru-RU" b="0" i="1" smtClean="0">
+                            <a:latin typeface="Cambria Math"/>
+                          </a:rPr>
+                          <m:t>К</m:t>
+                        </m:r>
+                      </m:e>
+                      <m:sub>
+                        <m:r>
+                          <a:rPr lang="ru-RU" b="0" i="1" smtClean="0">
+                            <a:latin typeface="Cambria Math"/>
+                          </a:rPr>
+                          <m:t>ч.р.</m:t>
+                        </m:r>
+                      </m:sub>
+                    </m:sSub>
+                    <m:r>
+                      <a:rPr lang="ru-RU" b="0" i="1" smtClean="0">
+                        <a:latin typeface="Cambria Math"/>
+                      </a:rPr>
+                      <m:t>=</m:t>
+                    </m:r>
+                    <m:f>
+                      <m:fPr>
+                        <m:ctrlPr>
+                          <a:rPr lang="ru-RU" b="0" i="1" smtClean="0">
+                            <a:latin typeface="Cambria Math"/>
+                          </a:rPr>
+                        </m:ctrlPr>
+                      </m:fPr>
+                      <m:num>
+                        <m:r>
+                          <a:rPr lang="ru-RU" b="0" i="1" smtClean="0">
+                            <a:latin typeface="Cambria Math"/>
+                          </a:rPr>
+                          <m:t>1</m:t>
+                        </m:r>
+                      </m:num>
+                      <m:den>
+                        <m:r>
+                          <a:rPr lang="ru-RU" b="0" i="1" smtClean="0">
+                            <a:latin typeface="Cambria Math"/>
+                          </a:rPr>
+                          <m:t>П</m:t>
+                        </m:r>
+                      </m:den>
+                    </m:f>
+                  </m:oMath>
+                </a14:m>
+                <a:r>
+                  <a:rPr lang="ru-RU" dirty="0" smtClean="0"/>
+                  <a:t>,</a:t>
+                </a:r>
+              </a:p>
+              <a:p>
+                <a:pPr marL="0" indent="0">
+                  <a:buNone/>
+                </a:pPr>
+                <a:r>
+                  <a:rPr lang="ru-RU" dirty="0" smtClean="0"/>
+                  <a:t>где </a:t>
+                </a:r>
+                <a14:m>
+                  <m:oMath xmlns:m="http://schemas.openxmlformats.org/officeDocument/2006/math">
+                    <m:sSub>
+                      <m:sSubPr>
+                        <m:ctrlPr>
+                          <a:rPr lang="ru-RU" i="1">
+                            <a:latin typeface="Cambria Math"/>
+                          </a:rPr>
+                        </m:ctrlPr>
+                      </m:sSubPr>
+                      <m:e>
+                        <m:r>
+                          <a:rPr lang="ru-RU" i="1">
+                            <a:latin typeface="Cambria Math"/>
+                          </a:rPr>
+                          <m:t>К</m:t>
+                        </m:r>
+                      </m:e>
+                      <m:sub>
+                        <m:r>
+                          <a:rPr lang="ru-RU" i="1">
+                            <a:latin typeface="Cambria Math"/>
+                          </a:rPr>
+                          <m:t>ч</m:t>
+                        </m:r>
+                        <m:r>
+                          <a:rPr lang="ru-RU" b="0" i="1" smtClean="0">
+                            <a:latin typeface="Cambria Math"/>
+                          </a:rPr>
+                          <m:t>.р.</m:t>
+                        </m:r>
+                      </m:sub>
+                    </m:sSub>
+                  </m:oMath>
+                </a14:m>
+                <a:r>
+                  <a:rPr lang="ru-RU" dirty="0" smtClean="0"/>
+                  <a:t> - коэффициент чистоты решения,</a:t>
+                </a:r>
+              </a:p>
+              <a:p>
+                <a:pPr marL="0" indent="0">
+                  <a:buNone/>
+                </a:pPr>
+                <a:r>
+                  <a:rPr lang="ru-RU" dirty="0" smtClean="0"/>
+                  <a:t>П – количество посылок, сделанных по задаче.</a:t>
+                </a:r>
+              </a:p>
+              <a:p>
+                <a:pPr marL="0" indent="0">
+                  <a:buNone/>
+                </a:pPr>
+                <a:endParaRPr lang="ru-RU" dirty="0" smtClean="0"/>
+              </a:p>
+              <a:p>
+                <a:pPr marL="0" indent="0">
+                  <a:buNone/>
+                </a:pPr>
+                <a:r>
+                  <a:rPr lang="ru-RU" dirty="0" smtClean="0"/>
+                  <a:t>Для нерешенных задач, коэффициент чистоты решения примем равным нулю</a:t>
+                </a:r>
+              </a:p>
+              <a:p>
+                <a:pPr marL="0" indent="0" algn="ctr">
+                  <a:buNone/>
+                </a:pPr>
+                <a:endParaRPr lang="ru-RU" dirty="0"/>
+              </a:p>
+            </p:txBody>
+          </p:sp>
+        </mc:Choice>
+        <mc:Fallback>
+          <p:sp>
+            <p:nvSpPr>
+              <p:cNvPr id="3" name="Объект 2"/>
+              <p:cNvSpPr>
+                <a:spLocks noGrp="1" noRot="1" noChangeAspect="1" noMove="1" noResize="1" noEditPoints="1" noAdjustHandles="1" noChangeArrowheads="1" noChangeShapeType="1" noTextEdit="1"/>
+              </p:cNvSpPr>
+              <p:nvPr>
+                <p:ph idx="1"/>
+              </p:nvPr>
+            </p:nvSpPr>
+            <p:spPr>
+              <a:blipFill rotWithShape="1">
+                <a:blip r:embed="rId2"/>
+                <a:stretch>
+                  <a:fillRect l="-1704" t="-3504" b="-2426"/>
+                </a:stretch>
+              </a:blipFill>
+            </p:spPr>
+            <p:txBody>
+              <a:bodyPr/>
+              <a:lstStyle/>
+              <a:p>
+                <a:r>
+                  <a:rPr lang="ru-RU">
+                    <a:noFill/>
+                  </a:rPr>
+                  <a:t> </a:t>
+                </a:r>
+              </a:p>
+            </p:txBody>
+          </p:sp>
+        </mc:Fallback>
+      </mc:AlternateContent>
+    </p:spTree>
+    <p:extLst>
+      <p:ext uri="{BB962C8B-B14F-4D97-AF65-F5344CB8AC3E}">
+        <p14:creationId xmlns:p14="http://schemas.microsoft.com/office/powerpoint/2010/main" val="3321310087"/>
+      </p:ext>
+    </p:extLst>
+  </p:cSld>
+  <p:clrMapOvr>
+    <a:masterClrMapping/>
+  </p:clrMapOvr>
+</p:sld>
+</file>
+
+<file path=ppt/slides/slide8.xml><?xml version="1.0" encoding="utf-8"?>
+<p:sld xmlns:a="http://schemas.openxmlformats.org/drawingml/2006/main" xmlns:r="http://schemas.openxmlformats.org/officeDocument/2006/relationships" xmlns:p="http://schemas.openxmlformats.org/presentationml/2006/main">
+  <p:cSld>
+    <p:spTree>
+      <p:nvGrpSpPr>
+        <p:cNvPr id="1" name=""/>
+        <p:cNvGrpSpPr/>
+        <p:nvPr/>
+      </p:nvGrpSpPr>
+      <p:grpSpPr>
+        <a:xfrm>
+          <a:off x="0" y="0"/>
+          <a:ext cx="0" cy="0"/>
+          <a:chOff x="0" y="0"/>
+          <a:chExt cx="0" cy="0"/>
+        </a:xfrm>
+      </p:grpSpPr>
+      <p:sp>
+        <p:nvSpPr>
+          <p:cNvPr id="2" name="Заголовок 1"/>
+          <p:cNvSpPr>
+            <a:spLocks noGrp="1"/>
+          </p:cNvSpPr>
+          <p:nvPr>
+            <p:ph type="title"/>
+          </p:nvPr>
+        </p:nvSpPr>
+        <p:spPr/>
+        <p:txBody>
+          <a:bodyPr>
+            <a:normAutofit/>
+          </a:bodyPr>
+          <a:lstStyle/>
+          <a:p>
+            <a:r>
+              <a:rPr lang="ru-RU" sz="3200" dirty="0" smtClean="0"/>
+              <a:t>Суммарный коэффициент чистоты решения</a:t>
+            </a:r>
+            <a:endParaRPr lang="ru-RU" sz="3200" dirty="0"/>
+          </a:p>
+        </p:txBody>
+      </p:sp>
+      <mc:AlternateContent xmlns:mc="http://schemas.openxmlformats.org/markup-compatibility/2006">
+        <mc:Choice xmlns:a14="http://schemas.microsoft.com/office/drawing/2010/main" Requires="a14">
+          <p:sp>
+            <p:nvSpPr>
+              <p:cNvPr id="3" name="Объект 2"/>
+              <p:cNvSpPr>
+                <a:spLocks noGrp="1"/>
+              </p:cNvSpPr>
+              <p:nvPr>
+                <p:ph idx="1"/>
+              </p:nvPr>
+            </p:nvSpPr>
+            <p:spPr/>
+            <p:txBody>
+              <a:bodyPr/>
+              <a:lstStyle/>
+              <a:p>
+                <a:pPr marL="0" indent="0">
+                  <a:buNone/>
+                </a:pPr>
+                <a:r>
+                  <a:rPr lang="ru-RU" dirty="0" smtClean="0"/>
+                  <a:t>Для вычисления суммарного коэффициента чистоты решения студента предлагается просуммировать его коэффициенты чистоты решения по каждой задаче</a:t>
+                </a:r>
+              </a:p>
+              <a:p>
+                <a:pPr marL="0" indent="0">
+                  <a:buNone/>
+                </a:pPr>
+                <a:endParaRPr lang="ru-RU" dirty="0" smtClean="0"/>
+              </a:p>
+              <a:p>
+                <a:pPr marL="0" indent="0" algn="ctr">
+                  <a:buNone/>
+                </a:pPr>
+                <a14:m>
+                  <m:oMathPara xmlns:m="http://schemas.openxmlformats.org/officeDocument/2006/math">
+                    <m:oMathParaPr>
+                      <m:jc m:val="centerGroup"/>
+                    </m:oMathParaPr>
+                    <m:oMath xmlns:m="http://schemas.openxmlformats.org/officeDocument/2006/math">
+                      <m:sSub>
+                        <m:sSubPr>
+                          <m:ctrlPr>
+                            <a:rPr lang="ru-RU" i="1" smtClean="0">
+                              <a:latin typeface="Cambria Math"/>
+                            </a:rPr>
+                          </m:ctrlPr>
+                        </m:sSubPr>
+                        <m:e>
+                          <m:r>
+                            <a:rPr lang="ru-RU" b="0" i="1" smtClean="0">
+                              <a:latin typeface="Cambria Math"/>
+                            </a:rPr>
+                            <m:t>К</m:t>
+                          </m:r>
+                        </m:e>
+                        <m:sub>
+                          <m:r>
+                            <a:rPr lang="ru-RU" b="0" i="1" smtClean="0">
+                              <a:latin typeface="Cambria Math"/>
+                            </a:rPr>
+                            <m:t>ч.р.сум</m:t>
+                          </m:r>
+                        </m:sub>
+                      </m:sSub>
+                      <m:r>
+                        <a:rPr lang="ru-RU" b="0" i="1" smtClean="0">
+                          <a:latin typeface="Cambria Math"/>
+                        </a:rPr>
+                        <m:t>=</m:t>
+                      </m:r>
+                      <m:nary>
+                        <m:naryPr>
+                          <m:chr m:val="∑"/>
+                          <m:subHide m:val="on"/>
+                          <m:supHide m:val="on"/>
+                          <m:ctrlPr>
+                            <a:rPr lang="ru-RU" b="0" i="1" smtClean="0">
+                              <a:latin typeface="Cambria Math"/>
+                            </a:rPr>
+                          </m:ctrlPr>
+                        </m:naryPr>
+                        <m:sub/>
+                        <m:sup/>
+                        <m:e>
+                          <m:sSub>
+                            <m:sSubPr>
+                              <m:ctrlPr>
+                                <a:rPr lang="ru-RU" b="0" i="1" smtClean="0">
+                                  <a:latin typeface="Cambria Math"/>
+                                </a:rPr>
+                              </m:ctrlPr>
+                            </m:sSubPr>
+                            <m:e>
+                              <m:r>
+                                <a:rPr lang="ru-RU" b="0" i="1" smtClean="0">
+                                  <a:latin typeface="Cambria Math"/>
+                                </a:rPr>
+                                <m:t>К</m:t>
+                              </m:r>
+                            </m:e>
+                            <m:sub>
+                              <m:r>
+                                <a:rPr lang="ru-RU" b="0" i="1" smtClean="0">
+                                  <a:latin typeface="Cambria Math"/>
+                                </a:rPr>
+                                <m:t>ч.р.</m:t>
+                              </m:r>
+                            </m:sub>
+                          </m:sSub>
+                        </m:e>
+                      </m:nary>
+                    </m:oMath>
+                  </m:oMathPara>
+                </a14:m>
+                <a:endParaRPr lang="ru-RU" dirty="0"/>
+              </a:p>
+            </p:txBody>
+          </p:sp>
+        </mc:Choice>
+        <mc:Fallback>
+          <p:sp>
+            <p:nvSpPr>
+              <p:cNvPr id="3" name="Объект 2"/>
+              <p:cNvSpPr>
+                <a:spLocks noGrp="1" noRot="1" noChangeAspect="1" noMove="1" noResize="1" noEditPoints="1" noAdjustHandles="1" noChangeArrowheads="1" noChangeShapeType="1" noTextEdit="1"/>
+              </p:cNvSpPr>
+              <p:nvPr>
+                <p:ph idx="1"/>
+              </p:nvPr>
+            </p:nvSpPr>
+            <p:spPr>
+              <a:blipFill rotWithShape="1">
+                <a:blip r:embed="rId2"/>
+                <a:stretch>
+                  <a:fillRect l="-1852" t="-1752"/>
+                </a:stretch>
+              </a:blipFill>
+            </p:spPr>
+            <p:txBody>
+              <a:bodyPr/>
+              <a:lstStyle/>
+              <a:p>
+                <a:r>
+                  <a:rPr lang="ru-RU">
+                    <a:noFill/>
+                  </a:rPr>
+                  <a:t> </a:t>
+                </a:r>
+              </a:p>
+            </p:txBody>
+          </p:sp>
+        </mc:Fallback>
+      </mc:AlternateContent>
+    </p:spTree>
+    <p:extLst>
+      <p:ext uri="{BB962C8B-B14F-4D97-AF65-F5344CB8AC3E}">
+        <p14:creationId xmlns:p14="http://schemas.microsoft.com/office/powerpoint/2010/main" val="4061711521"/>
+      </p:ext>
+    </p:extLst>
+  </p:cSld>
+  <p:clrMapOvr>
+    <a:masterClrMapping/>
+  </p:clrMapOvr>
+</p:sld>
+</file>
+
+<file path=ppt/slides/slide9.xml><?xml version="1.0" encoding="utf-8"?>
+<p:sld xmlns:a="http://schemas.openxmlformats.org/drawingml/2006/main" xmlns:r="http://schemas.openxmlformats.org/officeDocument/2006/relationships" xmlns:p="http://schemas.openxmlformats.org/presentationml/2006/main">
+  <p:cSld>
+    <p:spTree>
+      <p:nvGrpSpPr>
+        <p:cNvPr id="1" name=""/>
+        <p:cNvGrpSpPr/>
+        <p:nvPr/>
+      </p:nvGrpSpPr>
+      <p:grpSpPr>
+        <a:xfrm>
+          <a:off x="0" y="0"/>
+          <a:ext cx="0" cy="0"/>
+          <a:chOff x="0" y="0"/>
+          <a:chExt cx="0" cy="0"/>
+        </a:xfrm>
+      </p:grpSpPr>
+      <p:sp>
+        <p:nvSpPr>
+          <p:cNvPr id="2" name="Заголовок 1"/>
+          <p:cNvSpPr>
+            <a:spLocks noGrp="1"/>
+          </p:cNvSpPr>
+          <p:nvPr>
+            <p:ph type="title"/>
+          </p:nvPr>
+        </p:nvSpPr>
+        <p:spPr/>
+        <p:txBody>
+          <a:bodyPr>
+            <a:normAutofit/>
+          </a:bodyPr>
+          <a:lstStyle/>
+          <a:p>
+            <a:r>
+              <a:rPr lang="ru-RU" sz="3200" dirty="0" smtClean="0"/>
+              <a:t>Комплексный показатель чистоты решений</a:t>
+            </a:r>
+            <a:endParaRPr lang="ru-RU" sz="3200" dirty="0"/>
+          </a:p>
+        </p:txBody>
+      </p:sp>
+      <mc:AlternateContent xmlns:mc="http://schemas.openxmlformats.org/markup-compatibility/2006">
+        <mc:Choice xmlns:a14="http://schemas.microsoft.com/office/drawing/2010/main" Requires="a14">
+          <p:sp>
+            <p:nvSpPr>
+              <p:cNvPr id="3" name="Объект 2"/>
+              <p:cNvSpPr>
+                <a:spLocks noGrp="1"/>
+              </p:cNvSpPr>
+              <p:nvPr>
+                <p:ph idx="1"/>
+              </p:nvPr>
+            </p:nvSpPr>
+            <p:spPr/>
+            <p:txBody>
+              <a:bodyPr>
+                <a:normAutofit fontScale="92500" lnSpcReduction="20000"/>
+              </a:bodyPr>
+              <a:lstStyle/>
+              <a:p>
+                <a:pPr marL="0" indent="0">
+                  <a:buNone/>
+                </a:pPr>
+                <a:r>
+                  <a:rPr lang="ru-RU" dirty="0" smtClean="0"/>
+                  <a:t>Для расчета комплексного показателя чистоты решений студентов, необходимо взять среднее арифметическое от суммарных коэффициентов чистоты решений каждого студента</a:t>
+                </a:r>
+              </a:p>
+              <a:p>
+                <a:pPr marL="0" indent="0" algn="ctr">
+                  <a:buNone/>
+                </a:pPr>
+                <a14:m>
+                  <m:oMath xmlns:m="http://schemas.openxmlformats.org/officeDocument/2006/math">
+                    <m:sSub>
+                      <m:sSubPr>
+                        <m:ctrlPr>
+                          <a:rPr lang="ru-RU" i="1" smtClean="0">
+                            <a:latin typeface="Cambria Math"/>
+                          </a:rPr>
+                        </m:ctrlPr>
+                      </m:sSubPr>
+                      <m:e>
+                        <m:r>
+                          <a:rPr lang="ru-RU" b="0" i="1" smtClean="0">
+                            <a:latin typeface="Cambria Math"/>
+                          </a:rPr>
+                          <m:t>П</m:t>
+                        </m:r>
+                      </m:e>
+                      <m:sub>
+                        <m:r>
+                          <a:rPr lang="ru-RU" b="0" i="1" smtClean="0">
+                            <a:latin typeface="Cambria Math"/>
+                          </a:rPr>
+                          <m:t>компл.</m:t>
+                        </m:r>
+                      </m:sub>
+                    </m:sSub>
+                  </m:oMath>
+                </a14:m>
+                <a:r>
+                  <a:rPr lang="ru-RU" dirty="0" smtClean="0"/>
+                  <a:t>=</a:t>
+                </a:r>
+                <a14:m>
+                  <m:oMath xmlns:m="http://schemas.openxmlformats.org/officeDocument/2006/math">
+                    <m:f>
+                      <m:fPr>
+                        <m:ctrlPr>
+                          <a:rPr lang="ru-RU" i="1" dirty="0" smtClean="0">
+                            <a:latin typeface="Cambria Math"/>
+                          </a:rPr>
+                        </m:ctrlPr>
+                      </m:fPr>
+                      <m:num>
+                        <m:nary>
+                          <m:naryPr>
+                            <m:chr m:val="∑"/>
+                            <m:subHide m:val="on"/>
+                            <m:supHide m:val="on"/>
+                            <m:ctrlPr>
+                              <a:rPr lang="ru-RU" i="1" dirty="0" smtClean="0">
+                                <a:latin typeface="Cambria Math"/>
+                              </a:rPr>
+                            </m:ctrlPr>
+                          </m:naryPr>
+                          <m:sub/>
+                          <m:sup/>
+                          <m:e>
+                            <m:sSub>
+                              <m:sSubPr>
+                                <m:ctrlPr>
+                                  <a:rPr lang="ru-RU" i="1" dirty="0" smtClean="0">
+                                    <a:latin typeface="Cambria Math"/>
+                                  </a:rPr>
+                                </m:ctrlPr>
+                              </m:sSubPr>
+                              <m:e>
+                                <m:r>
+                                  <a:rPr lang="ru-RU" b="0" i="1" dirty="0" smtClean="0">
+                                    <a:latin typeface="Cambria Math"/>
+                                  </a:rPr>
+                                  <m:t>К</m:t>
+                                </m:r>
+                              </m:e>
+                              <m:sub>
+                                <m:r>
+                                  <a:rPr lang="ru-RU" b="0" i="1" dirty="0" smtClean="0">
+                                    <a:latin typeface="Cambria Math"/>
+                                  </a:rPr>
+                                  <m:t>ч.р.сум.</m:t>
+                                </m:r>
+                              </m:sub>
+                            </m:sSub>
+                          </m:e>
+                        </m:nary>
+                      </m:num>
+                      <m:den>
+                        <m:r>
+                          <a:rPr lang="en-US" b="0" i="1" dirty="0" smtClean="0">
+                            <a:latin typeface="Cambria Math"/>
+                          </a:rPr>
+                          <m:t>𝑁</m:t>
+                        </m:r>
+                      </m:den>
+                    </m:f>
+                  </m:oMath>
+                </a14:m>
+                <a:r>
+                  <a:rPr lang="en-US" dirty="0" smtClean="0"/>
+                  <a:t>,</a:t>
+                </a:r>
+              </a:p>
+              <a:p>
+                <a:pPr marL="0" indent="0">
+                  <a:buNone/>
+                </a:pPr>
+                <a:r>
+                  <a:rPr lang="ru-RU" dirty="0" smtClean="0"/>
+                  <a:t>где </a:t>
+                </a:r>
+                <a14:m>
+                  <m:oMath xmlns:m="http://schemas.openxmlformats.org/officeDocument/2006/math">
+                    <m:sSub>
+                      <m:sSubPr>
+                        <m:ctrlPr>
+                          <a:rPr lang="ru-RU" i="1">
+                            <a:latin typeface="Cambria Math"/>
+                          </a:rPr>
+                        </m:ctrlPr>
+                      </m:sSubPr>
+                      <m:e>
+                        <m:r>
+                          <a:rPr lang="ru-RU" i="1">
+                            <a:latin typeface="Cambria Math"/>
+                          </a:rPr>
+                          <m:t>П</m:t>
+                        </m:r>
+                      </m:e>
+                      <m:sub>
+                        <m:r>
+                          <a:rPr lang="ru-RU" i="1">
+                            <a:latin typeface="Cambria Math"/>
+                          </a:rPr>
+                          <m:t>компл.</m:t>
+                        </m:r>
+                      </m:sub>
+                    </m:sSub>
+                  </m:oMath>
+                </a14:m>
+                <a:r>
+                  <a:rPr lang="ru-RU" dirty="0" smtClean="0"/>
+                  <a:t> - комплексный показатель чистоты решений студентов,</a:t>
+                </a:r>
+              </a:p>
+              <a:p>
+                <a:pPr marL="0" indent="0">
+                  <a:buNone/>
+                </a:pPr>
+                <a14:m>
+                  <m:oMath xmlns:m="http://schemas.openxmlformats.org/officeDocument/2006/math">
+                    <m:sSub>
+                      <m:sSubPr>
+                        <m:ctrlPr>
+                          <a:rPr lang="ru-RU" i="1" dirty="0" smtClean="0">
+                            <a:latin typeface="Cambria Math"/>
+                          </a:rPr>
+                        </m:ctrlPr>
+                      </m:sSubPr>
+                      <m:e>
+                        <m:r>
+                          <a:rPr lang="ru-RU" i="1" dirty="0">
+                            <a:latin typeface="Cambria Math"/>
+                          </a:rPr>
+                          <m:t>К</m:t>
+                        </m:r>
+                      </m:e>
+                      <m:sub>
+                        <m:r>
+                          <a:rPr lang="ru-RU" i="1" dirty="0">
+                            <a:latin typeface="Cambria Math"/>
+                          </a:rPr>
+                          <m:t>ч.р.сум.</m:t>
+                        </m:r>
+                      </m:sub>
+                    </m:sSub>
+                  </m:oMath>
+                </a14:m>
+                <a:r>
+                  <a:rPr lang="ru-RU" dirty="0" smtClean="0"/>
+                  <a:t> - суммарный коэффициент чистоты решений одного студента,</a:t>
+                </a:r>
+              </a:p>
+              <a:p>
+                <a:pPr marL="0" indent="0">
+                  <a:buNone/>
+                </a:pPr>
+                <a:r>
+                  <a:rPr lang="en-US" dirty="0" smtClean="0"/>
+                  <a:t>N – </a:t>
+                </a:r>
+                <a:r>
+                  <a:rPr lang="ru-RU" dirty="0" smtClean="0"/>
+                  <a:t>количество студентов </a:t>
+                </a:r>
+                <a:r>
+                  <a:rPr lang="ru-RU" smtClean="0"/>
+                  <a:t>в группе</a:t>
+                </a:r>
+                <a:endParaRPr lang="ru-RU" dirty="0" smtClean="0"/>
+              </a:p>
+              <a:p>
+                <a:pPr marL="0" indent="0">
+                  <a:buNone/>
+                </a:pPr>
+                <a:endParaRPr lang="ru-RU" dirty="0"/>
+              </a:p>
+            </p:txBody>
+          </p:sp>
+        </mc:Choice>
+        <mc:Fallback>
+          <p:sp>
+            <p:nvSpPr>
+              <p:cNvPr id="3" name="Объект 2"/>
+              <p:cNvSpPr>
+                <a:spLocks noGrp="1" noRot="1" noChangeAspect="1" noMove="1" noResize="1" noEditPoints="1" noAdjustHandles="1" noChangeArrowheads="1" noChangeShapeType="1" noTextEdit="1"/>
+              </p:cNvSpPr>
+              <p:nvPr>
+                <p:ph idx="1"/>
+              </p:nvPr>
+            </p:nvSpPr>
+            <p:spPr>
+              <a:blipFill rotWithShape="1">
+                <a:blip r:embed="rId2"/>
+                <a:stretch>
+                  <a:fillRect l="-1704" t="-3504" b="-1752"/>
+                </a:stretch>
+              </a:blipFill>
+            </p:spPr>
+            <p:txBody>
+              <a:bodyPr/>
+              <a:lstStyle/>
+              <a:p>
+                <a:r>
+                  <a:rPr lang="ru-RU">
+                    <a:noFill/>
+                  </a:rPr>
+                  <a:t> </a:t>
+                </a:r>
+              </a:p>
+            </p:txBody>
+          </p:sp>
+        </mc:Fallback>
+      </mc:AlternateContent>
+    </p:spTree>
+    <p:extLst>
+      <p:ext uri="{BB962C8B-B14F-4D97-AF65-F5344CB8AC3E}">
+        <p14:creationId xmlns:p14="http://schemas.microsoft.com/office/powerpoint/2010/main" val="3666589690"/>
+      </p:ext>
+    </p:extLst>
+  </p:cSld>
+  <p:clrMapOvr>
+    <a:masterClrMapping/>
+  </p:clrMapOvr>
 </p:sld>
 </file>
 
